--- a/Recommender_Systems_in_Context_Presentation/Leland_Randles_Data612_Presentation.pptx
+++ b/Recommender_Systems_in_Context_Presentation/Leland_Randles_Data612_Presentation.pptx
@@ -211,7 +211,7 @@
           <a:p>
             <a:fld id="{D63D5444-F62C-42C3-A75A-D9DBA807730F}" type="datetimeFigureOut">
               <a:rPr lang="en-US" smtClean="0"/>
-              <a:t>7/14/2020</a:t>
+              <a:t>7/16/2020</a:t>
             </a:fld>
             <a:endParaRPr lang="en-US"/>
           </a:p>
@@ -376,7 +376,7 @@
           <a:p>
             <a:fld id="{12CAA1FA-7B6A-47D2-8D61-F225D71B51FF}" type="datetimeFigureOut">
               <a:rPr lang="en-US" smtClean="0"/>
-              <a:t>7/14/2020</a:t>
+              <a:t>7/16/2020</a:t>
             </a:fld>
             <a:endParaRPr lang="en-US"/>
           </a:p>
@@ -1213,7 +1213,7 @@
           <a:p>
             <a:fld id="{A79A3335-6331-4872-A8B7-ECD55539F4D0}" type="datetimeFigureOut">
               <a:rPr lang="en-US" smtClean="0"/>
-              <a:t>7/14/2020</a:t>
+              <a:t>7/16/2020</a:t>
             </a:fld>
             <a:endParaRPr lang="en-US"/>
           </a:p>
@@ -1471,7 +1471,7 @@
           <a:p>
             <a:fld id="{A79A3335-6331-4872-A8B7-ECD55539F4D0}" type="datetimeFigureOut">
               <a:rPr lang="en-US" smtClean="0"/>
-              <a:t>7/14/2020</a:t>
+              <a:t>7/16/2020</a:t>
             </a:fld>
             <a:endParaRPr lang="en-US"/>
           </a:p>
@@ -1997,7 +1997,7 @@
           <a:p>
             <a:fld id="{A79A3335-6331-4872-A8B7-ECD55539F4D0}" type="datetimeFigureOut">
               <a:rPr lang="en-US" smtClean="0"/>
-              <a:t>7/14/2020</a:t>
+              <a:t>7/16/2020</a:t>
             </a:fld>
             <a:endParaRPr lang="en-US"/>
           </a:p>
@@ -2328,7 +2328,7 @@
           <a:p>
             <a:fld id="{A79A3335-6331-4872-A8B7-ECD55539F4D0}" type="datetimeFigureOut">
               <a:rPr lang="en-US" smtClean="0"/>
-              <a:t>7/14/2020</a:t>
+              <a:t>7/16/2020</a:t>
             </a:fld>
             <a:endParaRPr lang="en-US"/>
           </a:p>
@@ -2508,7 +2508,7 @@
           <a:p>
             <a:fld id="{A79A3335-6331-4872-A8B7-ECD55539F4D0}" type="datetimeFigureOut">
               <a:rPr lang="en-US" smtClean="0"/>
-              <a:t>7/14/2020</a:t>
+              <a:t>7/16/2020</a:t>
             </a:fld>
             <a:endParaRPr lang="en-US"/>
           </a:p>
@@ -3732,7 +3732,7 @@
           <a:p>
             <a:fld id="{A79A3335-6331-4872-A8B7-ECD55539F4D0}" type="datetimeFigureOut">
               <a:rPr lang="en-US" smtClean="0"/>
-              <a:t>7/14/2020</a:t>
+              <a:t>7/16/2020</a:t>
             </a:fld>
             <a:endParaRPr lang="en-US"/>
           </a:p>
@@ -4113,7 +4113,7 @@
           <a:p>
             <a:fld id="{A79A3335-6331-4872-A8B7-ECD55539F4D0}" type="datetimeFigureOut">
               <a:rPr lang="en-US" smtClean="0"/>
-              <a:t>7/14/2020</a:t>
+              <a:t>7/16/2020</a:t>
             </a:fld>
             <a:endParaRPr lang="en-US"/>
           </a:p>
@@ -4242,7 +4242,7 @@
           <a:p>
             <a:fld id="{A79A3335-6331-4872-A8B7-ECD55539F4D0}" type="datetimeFigureOut">
               <a:rPr lang="en-US" smtClean="0"/>
-              <a:t>7/14/2020</a:t>
+              <a:t>7/16/2020</a:t>
             </a:fld>
             <a:endParaRPr lang="en-US"/>
           </a:p>
@@ -4349,7 +4349,7 @@
           <a:p>
             <a:fld id="{A79A3335-6331-4872-A8B7-ECD55539F4D0}" type="datetimeFigureOut">
               <a:rPr lang="en-US" smtClean="0"/>
-              <a:t>7/14/2020</a:t>
+              <a:t>7/16/2020</a:t>
             </a:fld>
             <a:endParaRPr lang="en-US"/>
           </a:p>
@@ -4639,7 +4639,7 @@
           <a:p>
             <a:fld id="{A79A3335-6331-4872-A8B7-ECD55539F4D0}" type="datetimeFigureOut">
               <a:rPr lang="en-US" smtClean="0"/>
-              <a:t>7/14/2020</a:t>
+              <a:t>7/16/2020</a:t>
             </a:fld>
             <a:endParaRPr lang="en-US"/>
           </a:p>
@@ -5003,7 +5003,7 @@
             <a:fld id="{A79A3335-6331-4872-A8B7-ECD55539F4D0}" type="datetimeFigureOut">
               <a:rPr lang="en-US" smtClean="0"/>
               <a:pPr/>
-              <a:t>7/14/2020</a:t>
+              <a:t>7/16/2020</a:t>
             </a:fld>
             <a:endParaRPr lang="en-US"/>
           </a:p>
@@ -5629,7 +5629,7 @@
           <a:p>
             <a:r>
               <a:rPr lang="en-US" sz="3200" dirty="0"/>
-              <a:t>Alternative Use Cases for Recommender System Methodologies</a:t>
+              <a:t>Going Beyond “Typical” Use Cases for Recommender System Methodologies</a:t>
             </a:r>
           </a:p>
         </p:txBody>
